--- a/Documents/Diagrams/UML_Diagram_Version_2 [Draft_in_Progress].pptx
+++ b/Documents/Diagrams/UML_Diagram_Version_2 [Draft_in_Progress].pptx
@@ -246,7 +246,7 @@
           <a:p>
             <a:fld id="{C3CA473D-D2B3-4F86-8EAE-ADB70AD55C44}" type="datetimeFigureOut">
               <a:rPr lang="en-US" smtClean="0"/>
-              <a:t>10/19/2013</a:t>
+              <a:t>10/20/2013</a:t>
             </a:fld>
             <a:endParaRPr lang="en-US"/>
           </a:p>
@@ -416,7 +416,7 @@
           <a:p>
             <a:fld id="{C3CA473D-D2B3-4F86-8EAE-ADB70AD55C44}" type="datetimeFigureOut">
               <a:rPr lang="en-US" smtClean="0"/>
-              <a:t>10/19/2013</a:t>
+              <a:t>10/20/2013</a:t>
             </a:fld>
             <a:endParaRPr lang="en-US"/>
           </a:p>
@@ -596,7 +596,7 @@
           <a:p>
             <a:fld id="{C3CA473D-D2B3-4F86-8EAE-ADB70AD55C44}" type="datetimeFigureOut">
               <a:rPr lang="en-US" smtClean="0"/>
-              <a:t>10/19/2013</a:t>
+              <a:t>10/20/2013</a:t>
             </a:fld>
             <a:endParaRPr lang="en-US"/>
           </a:p>
@@ -766,7 +766,7 @@
           <a:p>
             <a:fld id="{C3CA473D-D2B3-4F86-8EAE-ADB70AD55C44}" type="datetimeFigureOut">
               <a:rPr lang="en-US" smtClean="0"/>
-              <a:t>10/19/2013</a:t>
+              <a:t>10/20/2013</a:t>
             </a:fld>
             <a:endParaRPr lang="en-US"/>
           </a:p>
@@ -1010,7 +1010,7 @@
           <a:p>
             <a:fld id="{C3CA473D-D2B3-4F86-8EAE-ADB70AD55C44}" type="datetimeFigureOut">
               <a:rPr lang="en-US" smtClean="0"/>
-              <a:t>10/19/2013</a:t>
+              <a:t>10/20/2013</a:t>
             </a:fld>
             <a:endParaRPr lang="en-US"/>
           </a:p>
@@ -1242,7 +1242,7 @@
           <a:p>
             <a:fld id="{C3CA473D-D2B3-4F86-8EAE-ADB70AD55C44}" type="datetimeFigureOut">
               <a:rPr lang="en-US" smtClean="0"/>
-              <a:t>10/19/2013</a:t>
+              <a:t>10/20/2013</a:t>
             </a:fld>
             <a:endParaRPr lang="en-US"/>
           </a:p>
@@ -1609,7 +1609,7 @@
           <a:p>
             <a:fld id="{C3CA473D-D2B3-4F86-8EAE-ADB70AD55C44}" type="datetimeFigureOut">
               <a:rPr lang="en-US" smtClean="0"/>
-              <a:t>10/19/2013</a:t>
+              <a:t>10/20/2013</a:t>
             </a:fld>
             <a:endParaRPr lang="en-US"/>
           </a:p>
@@ -1727,7 +1727,7 @@
           <a:p>
             <a:fld id="{C3CA473D-D2B3-4F86-8EAE-ADB70AD55C44}" type="datetimeFigureOut">
               <a:rPr lang="en-US" smtClean="0"/>
-              <a:t>10/19/2013</a:t>
+              <a:t>10/20/2013</a:t>
             </a:fld>
             <a:endParaRPr lang="en-US"/>
           </a:p>
@@ -1822,7 +1822,7 @@
           <a:p>
             <a:fld id="{C3CA473D-D2B3-4F86-8EAE-ADB70AD55C44}" type="datetimeFigureOut">
               <a:rPr lang="en-US" smtClean="0"/>
-              <a:t>10/19/2013</a:t>
+              <a:t>10/20/2013</a:t>
             </a:fld>
             <a:endParaRPr lang="en-US"/>
           </a:p>
@@ -2099,7 +2099,7 @@
           <a:p>
             <a:fld id="{C3CA473D-D2B3-4F86-8EAE-ADB70AD55C44}" type="datetimeFigureOut">
               <a:rPr lang="en-US" smtClean="0"/>
-              <a:t>10/19/2013</a:t>
+              <a:t>10/20/2013</a:t>
             </a:fld>
             <a:endParaRPr lang="en-US"/>
           </a:p>
@@ -2356,7 +2356,7 @@
           <a:p>
             <a:fld id="{C3CA473D-D2B3-4F86-8EAE-ADB70AD55C44}" type="datetimeFigureOut">
               <a:rPr lang="en-US" smtClean="0"/>
-              <a:t>10/19/2013</a:t>
+              <a:t>10/20/2013</a:t>
             </a:fld>
             <a:endParaRPr lang="en-US"/>
           </a:p>
@@ -2569,7 +2569,7 @@
           <a:p>
             <a:fld id="{C3CA473D-D2B3-4F86-8EAE-ADB70AD55C44}" type="datetimeFigureOut">
               <a:rPr lang="en-US" smtClean="0"/>
-              <a:t>10/19/2013</a:t>
+              <a:t>10/20/2013</a:t>
             </a:fld>
             <a:endParaRPr lang="en-US"/>
           </a:p>
@@ -3004,17 +3004,7 @@
                   </a:schemeClr>
                 </a:solidFill>
               </a:rPr>
-              <a:t>UML DIAGRAM VERSION </a:t>
-            </a:r>
-            <a:r>
-              <a:rPr lang="en-US" dirty="0" smtClean="0">
-                <a:solidFill>
-                  <a:schemeClr val="accent1">
-                    <a:lumMod val="50000"/>
-                  </a:schemeClr>
-                </a:solidFill>
-              </a:rPr>
-              <a:t>2.0 [DRAFT 1]</a:t>
+              <a:t>UML DIAGRAM VERSION 2.0 [DRAFT 1]</a:t>
             </a:r>
             <a:endParaRPr lang="en-US" dirty="0">
               <a:solidFill>
@@ -3676,7 +3666,7 @@
         </p:nvSpPr>
         <p:spPr>
           <a:xfrm>
-            <a:off x="3517653" y="4045616"/>
+            <a:off x="3329077" y="3733160"/>
             <a:ext cx="2012548" cy="1111665"/>
           </a:xfrm>
           <a:prstGeom prst="triangle">
@@ -3715,15 +3705,13 @@
       <p:cxnSp>
         <p:nvCxnSpPr>
           <p:cNvPr id="44" name="Straight Arrow Connector 43"/>
-          <p:cNvCxnSpPr>
-            <a:stCxn id="40" idx="5"/>
-          </p:cNvCxnSpPr>
+          <p:cNvCxnSpPr/>
           <p:nvPr/>
         </p:nvCxnSpPr>
         <p:spPr>
-          <a:xfrm>
-            <a:off x="5027064" y="4601449"/>
-            <a:ext cx="1493088" cy="58506"/>
+          <a:xfrm flipV="1">
+            <a:off x="5089422" y="4458716"/>
+            <a:ext cx="1430730" cy="31437"/>
           </a:xfrm>
           <a:prstGeom prst="straightConnector1">
             <a:avLst/>
@@ -3929,6 +3917,85 @@
             <a:ext cx="688509" cy="418637"/>
           </a:xfrm>
           <a:prstGeom prst="straightConnector1">
+            <a:avLst/>
+          </a:prstGeom>
+          <a:ln>
+            <a:tailEnd type="triangle"/>
+          </a:ln>
+        </p:spPr>
+        <p:style>
+          <a:lnRef idx="1">
+            <a:schemeClr val="accent1"/>
+          </a:lnRef>
+          <a:fillRef idx="0">
+            <a:schemeClr val="accent1"/>
+          </a:fillRef>
+          <a:effectRef idx="0">
+            <a:schemeClr val="accent1"/>
+          </a:effectRef>
+          <a:fontRef idx="minor">
+            <a:schemeClr val="tx1"/>
+          </a:fontRef>
+        </p:style>
+      </p:cxnSp>
+      <p:sp>
+        <p:nvSpPr>
+          <p:cNvPr id="12" name="Oval 11"/>
+          <p:cNvSpPr/>
+          <p:nvPr/>
+        </p:nvSpPr>
+        <p:spPr>
+          <a:xfrm>
+            <a:off x="1098032" y="5117793"/>
+            <a:ext cx="2155490" cy="1346708"/>
+          </a:xfrm>
+          <a:prstGeom prst="ellipse">
+            <a:avLst/>
+          </a:prstGeom>
+        </p:spPr>
+        <p:style>
+          <a:lnRef idx="2">
+            <a:schemeClr val="accent1">
+              <a:shade val="50000"/>
+            </a:schemeClr>
+          </a:lnRef>
+          <a:fillRef idx="1">
+            <a:schemeClr val="accent1"/>
+          </a:fillRef>
+          <a:effectRef idx="0">
+            <a:schemeClr val="accent1"/>
+          </a:effectRef>
+          <a:fontRef idx="minor">
+            <a:schemeClr val="lt1"/>
+          </a:fontRef>
+        </p:style>
+        <p:txBody>
+          <a:bodyPr rtlCol="0" anchor="ctr"/>
+          <a:lstStyle/>
+          <a:p>
+            <a:pPr algn="ctr"/>
+            <a:r>
+              <a:rPr lang="en-US" dirty="0" smtClean="0"/>
+              <a:t>DISPLAY SHORTEST ROUTE</a:t>
+            </a:r>
+            <a:endParaRPr lang="en-US" dirty="0"/>
+          </a:p>
+        </p:txBody>
+      </p:sp>
+      <p:cxnSp>
+        <p:nvCxnSpPr>
+          <p:cNvPr id="18" name="Elbow Connector 17"/>
+          <p:cNvCxnSpPr>
+            <a:stCxn id="28" idx="4"/>
+          </p:cNvCxnSpPr>
+          <p:nvPr/>
+        </p:nvCxnSpPr>
+        <p:spPr>
+          <a:xfrm rot="5400000">
+            <a:off x="5364477" y="3465215"/>
+            <a:ext cx="450495" cy="4201368"/>
+          </a:xfrm>
+          <a:prstGeom prst="bentConnector2">
             <a:avLst/>
           </a:prstGeom>
           <a:ln>
@@ -4411,8 +4478,8 @@
         </p:nvSpPr>
         <p:spPr>
           <a:xfrm>
-            <a:off x="2305317" y="206062"/>
-            <a:ext cx="7006107" cy="615553"/>
+            <a:off x="2681784" y="0"/>
+            <a:ext cx="6091303" cy="610836"/>
           </a:xfrm>
           <a:prstGeom prst="rect">
             <a:avLst/>
@@ -4455,7 +4522,17 @@
                   </a:schemeClr>
                 </a:solidFill>
               </a:rPr>
-              <a:t>[MODIFICATIONS OF LOCATIONS DIAGRAM]</a:t>
+              <a:t>[MODIFICATIONS OF LOCATIONS DIAGRAM</a:t>
+            </a:r>
+            <a:r>
+              <a:rPr lang="en-US" sz="1600" dirty="0" smtClean="0">
+                <a:solidFill>
+                  <a:schemeClr val="accent1">
+                    <a:lumMod val="50000"/>
+                  </a:schemeClr>
+                </a:solidFill>
+              </a:rPr>
+              <a:t>] </a:t>
             </a:r>
             <a:endParaRPr lang="en-US" sz="1600" dirty="0">
               <a:solidFill>
@@ -4467,6 +4544,1344 @@
           </a:p>
         </p:txBody>
       </p:sp>
+      <p:sp>
+        <p:nvSpPr>
+          <p:cNvPr id="4" name="Isosceles Triangle 3"/>
+          <p:cNvSpPr/>
+          <p:nvPr/>
+        </p:nvSpPr>
+        <p:spPr>
+          <a:xfrm>
+            <a:off x="191414" y="743304"/>
+            <a:ext cx="1717717" cy="733341"/>
+          </a:xfrm>
+          <a:prstGeom prst="triangle">
+            <a:avLst/>
+          </a:prstGeom>
+        </p:spPr>
+        <p:style>
+          <a:lnRef idx="2">
+            <a:schemeClr val="accent1">
+              <a:shade val="50000"/>
+            </a:schemeClr>
+          </a:lnRef>
+          <a:fillRef idx="1">
+            <a:schemeClr val="accent1"/>
+          </a:fillRef>
+          <a:effectRef idx="0">
+            <a:schemeClr val="accent1"/>
+          </a:effectRef>
+          <a:fontRef idx="minor">
+            <a:schemeClr val="lt1"/>
+          </a:fontRef>
+        </p:style>
+        <p:txBody>
+          <a:bodyPr rtlCol="0" anchor="ctr"/>
+          <a:lstStyle/>
+          <a:p>
+            <a:pPr algn="ctr"/>
+            <a:r>
+              <a:rPr lang="en-US" dirty="0" smtClean="0"/>
+              <a:t>USER</a:t>
+            </a:r>
+            <a:endParaRPr lang="en-US" dirty="0"/>
+          </a:p>
+        </p:txBody>
+      </p:sp>
+      <p:grpSp>
+        <p:nvGrpSpPr>
+          <p:cNvPr id="11" name="Group 10"/>
+          <p:cNvGrpSpPr/>
+          <p:nvPr/>
+        </p:nvGrpSpPr>
+        <p:grpSpPr>
+          <a:xfrm>
+            <a:off x="148311" y="5665478"/>
+            <a:ext cx="1717717" cy="754737"/>
+            <a:chOff x="2925461" y="4281861"/>
+            <a:chExt cx="2505673" cy="1621677"/>
+          </a:xfrm>
+        </p:grpSpPr>
+        <p:pic>
+          <p:nvPicPr>
+            <p:cNvPr id="5" name="Picture 4"/>
+            <p:cNvPicPr>
+              <a:picLocks noChangeAspect="1"/>
+            </p:cNvPicPr>
+            <p:nvPr/>
+          </p:nvPicPr>
+          <p:blipFill>
+            <a:blip r:embed="rId2"/>
+            <a:stretch>
+              <a:fillRect/>
+            </a:stretch>
+          </p:blipFill>
+          <p:spPr>
+            <a:xfrm>
+              <a:off x="2925461" y="4281861"/>
+              <a:ext cx="2505673" cy="1621677"/>
+            </a:xfrm>
+            <a:prstGeom prst="rect">
+              <a:avLst/>
+            </a:prstGeom>
+          </p:spPr>
+        </p:pic>
+        <p:sp>
+          <p:nvSpPr>
+            <p:cNvPr id="7" name="TextBox 6"/>
+            <p:cNvSpPr txBox="1"/>
+            <p:nvPr/>
+          </p:nvSpPr>
+          <p:spPr>
+            <a:xfrm>
+              <a:off x="3560872" y="5119090"/>
+              <a:ext cx="864338" cy="369332"/>
+            </a:xfrm>
+            <a:prstGeom prst="rect">
+              <a:avLst/>
+            </a:prstGeom>
+            <a:noFill/>
+          </p:spPr>
+          <p:txBody>
+            <a:bodyPr wrap="none" rtlCol="0">
+              <a:spAutoFit/>
+            </a:bodyPr>
+            <a:lstStyle/>
+            <a:p>
+              <a:r>
+                <a:rPr lang="en-US" dirty="0" smtClean="0">
+                  <a:solidFill>
+                    <a:schemeClr val="bg1"/>
+                  </a:solidFill>
+                </a:rPr>
+                <a:t>ADMIN</a:t>
+              </a:r>
+              <a:endParaRPr lang="en-US" dirty="0">
+                <a:solidFill>
+                  <a:schemeClr val="bg1"/>
+                </a:solidFill>
+              </a:endParaRPr>
+            </a:p>
+          </p:txBody>
+        </p:sp>
+      </p:grpSp>
+      <p:sp>
+        <p:nvSpPr>
+          <p:cNvPr id="13" name="Oval 12"/>
+          <p:cNvSpPr/>
+          <p:nvPr/>
+        </p:nvSpPr>
+        <p:spPr>
+          <a:xfrm>
+            <a:off x="5804944" y="3458778"/>
+            <a:ext cx="1272461" cy="1130300"/>
+          </a:xfrm>
+          <a:prstGeom prst="ellipse">
+            <a:avLst/>
+          </a:prstGeom>
+        </p:spPr>
+        <p:style>
+          <a:lnRef idx="2">
+            <a:schemeClr val="accent1">
+              <a:shade val="50000"/>
+            </a:schemeClr>
+          </a:lnRef>
+          <a:fillRef idx="1">
+            <a:schemeClr val="accent1"/>
+          </a:fillRef>
+          <a:effectRef idx="0">
+            <a:schemeClr val="accent1"/>
+          </a:effectRef>
+          <a:fontRef idx="minor">
+            <a:schemeClr val="lt1"/>
+          </a:fontRef>
+        </p:style>
+        <p:txBody>
+          <a:bodyPr rtlCol="0" anchor="ctr"/>
+          <a:lstStyle/>
+          <a:p>
+            <a:pPr algn="ctr"/>
+            <a:r>
+              <a:rPr lang="en-US" dirty="0" smtClean="0"/>
+              <a:t>EDIT</a:t>
+            </a:r>
+            <a:endParaRPr lang="en-US" dirty="0"/>
+          </a:p>
+        </p:txBody>
+      </p:sp>
+      <p:sp>
+        <p:nvSpPr>
+          <p:cNvPr id="14" name="Oval 13"/>
+          <p:cNvSpPr/>
+          <p:nvPr/>
+        </p:nvSpPr>
+        <p:spPr>
+          <a:xfrm>
+            <a:off x="2872701" y="4865091"/>
+            <a:ext cx="1310332" cy="1130300"/>
+          </a:xfrm>
+          <a:prstGeom prst="ellipse">
+            <a:avLst/>
+          </a:prstGeom>
+        </p:spPr>
+        <p:style>
+          <a:lnRef idx="2">
+            <a:schemeClr val="accent1">
+              <a:shade val="50000"/>
+            </a:schemeClr>
+          </a:lnRef>
+          <a:fillRef idx="1">
+            <a:schemeClr val="accent1"/>
+          </a:fillRef>
+          <a:effectRef idx="0">
+            <a:schemeClr val="accent1"/>
+          </a:effectRef>
+          <a:fontRef idx="minor">
+            <a:schemeClr val="lt1"/>
+          </a:fontRef>
+        </p:style>
+        <p:txBody>
+          <a:bodyPr rtlCol="0" anchor="ctr"/>
+          <a:lstStyle/>
+          <a:p>
+            <a:pPr algn="ctr"/>
+            <a:r>
+              <a:rPr lang="en-US" dirty="0" smtClean="0"/>
+              <a:t>DELETE</a:t>
+            </a:r>
+            <a:endParaRPr lang="en-US" dirty="0"/>
+          </a:p>
+        </p:txBody>
+      </p:sp>
+      <p:grpSp>
+        <p:nvGrpSpPr>
+          <p:cNvPr id="20" name="Group 19"/>
+          <p:cNvGrpSpPr/>
+          <p:nvPr/>
+        </p:nvGrpSpPr>
+        <p:grpSpPr>
+          <a:xfrm>
+            <a:off x="2531653" y="895429"/>
+            <a:ext cx="3273291" cy="2287335"/>
+            <a:chOff x="3196959" y="861899"/>
+            <a:chExt cx="3273291" cy="2287335"/>
+          </a:xfrm>
+        </p:grpSpPr>
+        <p:sp>
+          <p:nvSpPr>
+            <p:cNvPr id="8" name="Oval 7"/>
+            <p:cNvSpPr/>
+            <p:nvPr/>
+          </p:nvSpPr>
+          <p:spPr>
+            <a:xfrm>
+              <a:off x="4507290" y="861899"/>
+              <a:ext cx="1375360" cy="753185"/>
+            </a:xfrm>
+            <a:prstGeom prst="ellipse">
+              <a:avLst/>
+            </a:prstGeom>
+          </p:spPr>
+          <p:style>
+            <a:lnRef idx="2">
+              <a:schemeClr val="accent1">
+                <a:shade val="50000"/>
+              </a:schemeClr>
+            </a:lnRef>
+            <a:fillRef idx="1">
+              <a:schemeClr val="accent1"/>
+            </a:fillRef>
+            <a:effectRef idx="0">
+              <a:schemeClr val="accent1"/>
+            </a:effectRef>
+            <a:fontRef idx="minor">
+              <a:schemeClr val="lt1"/>
+            </a:fontRef>
+          </p:style>
+          <p:txBody>
+            <a:bodyPr rtlCol="0" anchor="ctr"/>
+            <a:lstStyle/>
+            <a:p>
+              <a:pPr algn="ctr"/>
+              <a:r>
+                <a:rPr lang="en-US" sz="1100" dirty="0" smtClean="0"/>
+                <a:t>ADD STARTPOINT LOCATION</a:t>
+              </a:r>
+              <a:endParaRPr lang="en-US" sz="1100" dirty="0"/>
+            </a:p>
+          </p:txBody>
+        </p:sp>
+        <p:sp>
+          <p:nvSpPr>
+            <p:cNvPr id="12" name="Oval 11"/>
+            <p:cNvSpPr/>
+            <p:nvPr/>
+          </p:nvSpPr>
+          <p:spPr>
+            <a:xfrm>
+              <a:off x="3196959" y="1568226"/>
+              <a:ext cx="1310331" cy="1130300"/>
+            </a:xfrm>
+            <a:prstGeom prst="ellipse">
+              <a:avLst/>
+            </a:prstGeom>
+          </p:spPr>
+          <p:style>
+            <a:lnRef idx="2">
+              <a:schemeClr val="accent1">
+                <a:shade val="50000"/>
+              </a:schemeClr>
+            </a:lnRef>
+            <a:fillRef idx="1">
+              <a:schemeClr val="accent1"/>
+            </a:fillRef>
+            <a:effectRef idx="0">
+              <a:schemeClr val="accent1"/>
+            </a:effectRef>
+            <a:fontRef idx="minor">
+              <a:schemeClr val="lt1"/>
+            </a:fontRef>
+          </p:style>
+          <p:txBody>
+            <a:bodyPr rtlCol="0" anchor="ctr"/>
+            <a:lstStyle/>
+            <a:p>
+              <a:pPr algn="ctr"/>
+              <a:r>
+                <a:rPr lang="en-US" dirty="0" smtClean="0"/>
+                <a:t>ADD</a:t>
+              </a:r>
+              <a:endParaRPr lang="en-US" dirty="0"/>
+            </a:p>
+          </p:txBody>
+        </p:sp>
+        <p:sp>
+          <p:nvSpPr>
+            <p:cNvPr id="15" name="Oval 14"/>
+            <p:cNvSpPr/>
+            <p:nvPr/>
+          </p:nvSpPr>
+          <p:spPr>
+            <a:xfrm>
+              <a:off x="5094890" y="1602580"/>
+              <a:ext cx="1375360" cy="753185"/>
+            </a:xfrm>
+            <a:prstGeom prst="ellipse">
+              <a:avLst/>
+            </a:prstGeom>
+          </p:spPr>
+          <p:style>
+            <a:lnRef idx="2">
+              <a:schemeClr val="accent1">
+                <a:shade val="50000"/>
+              </a:schemeClr>
+            </a:lnRef>
+            <a:fillRef idx="1">
+              <a:schemeClr val="accent1"/>
+            </a:fillRef>
+            <a:effectRef idx="0">
+              <a:schemeClr val="accent1"/>
+            </a:effectRef>
+            <a:fontRef idx="minor">
+              <a:schemeClr val="lt1"/>
+            </a:fontRef>
+          </p:style>
+          <p:txBody>
+            <a:bodyPr rtlCol="0" anchor="ctr"/>
+            <a:lstStyle/>
+            <a:p>
+              <a:pPr algn="ctr"/>
+              <a:r>
+                <a:rPr lang="en-US" sz="1100" dirty="0" smtClean="0"/>
+                <a:t>ADD STARTPOINT LOCATION</a:t>
+              </a:r>
+              <a:endParaRPr lang="en-US" sz="1100" dirty="0"/>
+            </a:p>
+          </p:txBody>
+        </p:sp>
+        <p:sp>
+          <p:nvSpPr>
+            <p:cNvPr id="16" name="Oval 15"/>
+            <p:cNvSpPr/>
+            <p:nvPr/>
+          </p:nvSpPr>
+          <p:spPr>
+            <a:xfrm>
+              <a:off x="4755900" y="2396049"/>
+              <a:ext cx="1375360" cy="753185"/>
+            </a:xfrm>
+            <a:prstGeom prst="ellipse">
+              <a:avLst/>
+            </a:prstGeom>
+          </p:spPr>
+          <p:style>
+            <a:lnRef idx="2">
+              <a:schemeClr val="accent1">
+                <a:shade val="50000"/>
+              </a:schemeClr>
+            </a:lnRef>
+            <a:fillRef idx="1">
+              <a:schemeClr val="accent1"/>
+            </a:fillRef>
+            <a:effectRef idx="0">
+              <a:schemeClr val="accent1"/>
+            </a:effectRef>
+            <a:fontRef idx="minor">
+              <a:schemeClr val="lt1"/>
+            </a:fontRef>
+          </p:style>
+          <p:txBody>
+            <a:bodyPr rtlCol="0" anchor="ctr"/>
+            <a:lstStyle/>
+            <a:p>
+              <a:pPr algn="ctr"/>
+              <a:r>
+                <a:rPr lang="en-US" sz="1100" dirty="0" smtClean="0"/>
+                <a:t>ADD STARTPOINT LOCATION</a:t>
+              </a:r>
+              <a:endParaRPr lang="en-US" sz="1100" dirty="0"/>
+            </a:p>
+          </p:txBody>
+        </p:sp>
+      </p:grpSp>
+      <p:sp>
+        <p:nvSpPr>
+          <p:cNvPr id="17" name="Oval 16"/>
+          <p:cNvSpPr/>
+          <p:nvPr/>
+        </p:nvSpPr>
+        <p:spPr>
+          <a:xfrm>
+            <a:off x="6946898" y="2915235"/>
+            <a:ext cx="1375360" cy="753185"/>
+          </a:xfrm>
+          <a:prstGeom prst="ellipse">
+            <a:avLst/>
+          </a:prstGeom>
+        </p:spPr>
+        <p:style>
+          <a:lnRef idx="2">
+            <a:schemeClr val="accent1">
+              <a:shade val="50000"/>
+            </a:schemeClr>
+          </a:lnRef>
+          <a:fillRef idx="1">
+            <a:schemeClr val="accent1"/>
+          </a:fillRef>
+          <a:effectRef idx="0">
+            <a:schemeClr val="accent1"/>
+          </a:effectRef>
+          <a:fontRef idx="minor">
+            <a:schemeClr val="lt1"/>
+          </a:fontRef>
+        </p:style>
+        <p:txBody>
+          <a:bodyPr rtlCol="0" anchor="ctr"/>
+          <a:lstStyle/>
+          <a:p>
+            <a:pPr algn="ctr"/>
+            <a:r>
+              <a:rPr lang="en-US" sz="1100" dirty="0" smtClean="0"/>
+              <a:t>CHANGE STARTPOINT LOCATION</a:t>
+            </a:r>
+            <a:endParaRPr lang="en-US" sz="1100" dirty="0"/>
+          </a:p>
+        </p:txBody>
+      </p:sp>
+      <p:sp>
+        <p:nvSpPr>
+          <p:cNvPr id="18" name="Oval 17"/>
+          <p:cNvSpPr/>
+          <p:nvPr/>
+        </p:nvSpPr>
+        <p:spPr>
+          <a:xfrm>
+            <a:off x="7564328" y="3655916"/>
+            <a:ext cx="1375360" cy="753185"/>
+          </a:xfrm>
+          <a:prstGeom prst="ellipse">
+            <a:avLst/>
+          </a:prstGeom>
+        </p:spPr>
+        <p:style>
+          <a:lnRef idx="2">
+            <a:schemeClr val="accent1">
+              <a:shade val="50000"/>
+            </a:schemeClr>
+          </a:lnRef>
+          <a:fillRef idx="1">
+            <a:schemeClr val="accent1"/>
+          </a:fillRef>
+          <a:effectRef idx="0">
+            <a:schemeClr val="accent1"/>
+          </a:effectRef>
+          <a:fontRef idx="minor">
+            <a:schemeClr val="lt1"/>
+          </a:fontRef>
+        </p:style>
+        <p:txBody>
+          <a:bodyPr rtlCol="0" anchor="ctr"/>
+          <a:lstStyle/>
+          <a:p>
+            <a:pPr algn="ctr"/>
+            <a:r>
+              <a:rPr lang="en-US" sz="1100" dirty="0" smtClean="0"/>
+              <a:t>CHANGE STARTPOINT LOCATION</a:t>
+            </a:r>
+            <a:endParaRPr lang="en-US" sz="1100" dirty="0"/>
+          </a:p>
+        </p:txBody>
+      </p:sp>
+      <p:sp>
+        <p:nvSpPr>
+          <p:cNvPr id="19" name="Oval 18"/>
+          <p:cNvSpPr/>
+          <p:nvPr/>
+        </p:nvSpPr>
+        <p:spPr>
+          <a:xfrm>
+            <a:off x="6946898" y="4462739"/>
+            <a:ext cx="1375360" cy="753185"/>
+          </a:xfrm>
+          <a:prstGeom prst="ellipse">
+            <a:avLst/>
+          </a:prstGeom>
+        </p:spPr>
+        <p:style>
+          <a:lnRef idx="2">
+            <a:schemeClr val="accent1">
+              <a:shade val="50000"/>
+            </a:schemeClr>
+          </a:lnRef>
+          <a:fillRef idx="1">
+            <a:schemeClr val="accent1"/>
+          </a:fillRef>
+          <a:effectRef idx="0">
+            <a:schemeClr val="accent1"/>
+          </a:effectRef>
+          <a:fontRef idx="minor">
+            <a:schemeClr val="lt1"/>
+          </a:fontRef>
+        </p:style>
+        <p:txBody>
+          <a:bodyPr rtlCol="0" anchor="ctr"/>
+          <a:lstStyle/>
+          <a:p>
+            <a:pPr algn="ctr"/>
+            <a:r>
+              <a:rPr lang="en-US" sz="1100" dirty="0" smtClean="0"/>
+              <a:t>CHANGE STARTPOINT LOCATION</a:t>
+            </a:r>
+            <a:endParaRPr lang="en-US" sz="1100" dirty="0"/>
+          </a:p>
+        </p:txBody>
+      </p:sp>
+      <p:sp>
+        <p:nvSpPr>
+          <p:cNvPr id="21" name="Oval 20"/>
+          <p:cNvSpPr/>
+          <p:nvPr/>
+        </p:nvSpPr>
+        <p:spPr>
+          <a:xfrm>
+            <a:off x="3854583" y="4189665"/>
+            <a:ext cx="1375360" cy="753185"/>
+          </a:xfrm>
+          <a:prstGeom prst="ellipse">
+            <a:avLst/>
+          </a:prstGeom>
+        </p:spPr>
+        <p:style>
+          <a:lnRef idx="2">
+            <a:schemeClr val="accent1">
+              <a:shade val="50000"/>
+            </a:schemeClr>
+          </a:lnRef>
+          <a:fillRef idx="1">
+            <a:schemeClr val="accent1"/>
+          </a:fillRef>
+          <a:effectRef idx="0">
+            <a:schemeClr val="accent1"/>
+          </a:effectRef>
+          <a:fontRef idx="minor">
+            <a:schemeClr val="lt1"/>
+          </a:fontRef>
+        </p:style>
+        <p:txBody>
+          <a:bodyPr rtlCol="0" anchor="ctr"/>
+          <a:lstStyle/>
+          <a:p>
+            <a:pPr algn="ctr"/>
+            <a:r>
+              <a:rPr lang="en-US" sz="1100" dirty="0" smtClean="0"/>
+              <a:t>DELETE STARTPOINT LOCATION</a:t>
+            </a:r>
+            <a:endParaRPr lang="en-US" sz="1100" dirty="0"/>
+          </a:p>
+        </p:txBody>
+      </p:sp>
+      <p:sp>
+        <p:nvSpPr>
+          <p:cNvPr id="22" name="Oval 21"/>
+          <p:cNvSpPr/>
+          <p:nvPr/>
+        </p:nvSpPr>
+        <p:spPr>
+          <a:xfrm>
+            <a:off x="4764769" y="4865091"/>
+            <a:ext cx="1375360" cy="753185"/>
+          </a:xfrm>
+          <a:prstGeom prst="ellipse">
+            <a:avLst/>
+          </a:prstGeom>
+        </p:spPr>
+        <p:style>
+          <a:lnRef idx="2">
+            <a:schemeClr val="accent1">
+              <a:shade val="50000"/>
+            </a:schemeClr>
+          </a:lnRef>
+          <a:fillRef idx="1">
+            <a:schemeClr val="accent1"/>
+          </a:fillRef>
+          <a:effectRef idx="0">
+            <a:schemeClr val="accent1"/>
+          </a:effectRef>
+          <a:fontRef idx="minor">
+            <a:schemeClr val="lt1"/>
+          </a:fontRef>
+        </p:style>
+        <p:txBody>
+          <a:bodyPr rtlCol="0" anchor="ctr"/>
+          <a:lstStyle/>
+          <a:p>
+            <a:pPr algn="ctr"/>
+            <a:r>
+              <a:rPr lang="en-US" sz="1100" dirty="0" smtClean="0"/>
+              <a:t>DELETE STARTPOINT LOCATION</a:t>
+            </a:r>
+            <a:endParaRPr lang="en-US" sz="1100" dirty="0"/>
+          </a:p>
+        </p:txBody>
+      </p:sp>
+      <p:sp>
+        <p:nvSpPr>
+          <p:cNvPr id="23" name="Oval 22"/>
+          <p:cNvSpPr/>
+          <p:nvPr/>
+        </p:nvSpPr>
+        <p:spPr>
+          <a:xfrm>
+            <a:off x="4168299" y="5723815"/>
+            <a:ext cx="1375360" cy="753185"/>
+          </a:xfrm>
+          <a:prstGeom prst="ellipse">
+            <a:avLst/>
+          </a:prstGeom>
+        </p:spPr>
+        <p:style>
+          <a:lnRef idx="2">
+            <a:schemeClr val="accent1">
+              <a:shade val="50000"/>
+            </a:schemeClr>
+          </a:lnRef>
+          <a:fillRef idx="1">
+            <a:schemeClr val="accent1"/>
+          </a:fillRef>
+          <a:effectRef idx="0">
+            <a:schemeClr val="accent1"/>
+          </a:effectRef>
+          <a:fontRef idx="minor">
+            <a:schemeClr val="lt1"/>
+          </a:fontRef>
+        </p:style>
+        <p:txBody>
+          <a:bodyPr rtlCol="0" anchor="ctr"/>
+          <a:lstStyle/>
+          <a:p>
+            <a:pPr algn="ctr"/>
+            <a:r>
+              <a:rPr lang="en-US" sz="1100" dirty="0" smtClean="0"/>
+              <a:t>DELETE STARTPOINT LOCATION</a:t>
+            </a:r>
+            <a:endParaRPr lang="en-US" sz="1100" dirty="0"/>
+          </a:p>
+        </p:txBody>
+      </p:sp>
+      <p:cxnSp>
+        <p:nvCxnSpPr>
+          <p:cNvPr id="25" name="Straight Arrow Connector 24"/>
+          <p:cNvCxnSpPr>
+            <a:stCxn id="12" idx="7"/>
+          </p:cNvCxnSpPr>
+          <p:nvPr/>
+        </p:nvCxnSpPr>
+        <p:spPr>
+          <a:xfrm flipV="1">
+            <a:off x="3650090" y="1594589"/>
+            <a:ext cx="220252" cy="172696"/>
+          </a:xfrm>
+          <a:prstGeom prst="straightConnector1">
+            <a:avLst/>
+          </a:prstGeom>
+          <a:ln>
+            <a:tailEnd type="triangle"/>
+          </a:ln>
+        </p:spPr>
+        <p:style>
+          <a:lnRef idx="1">
+            <a:schemeClr val="accent1"/>
+          </a:lnRef>
+          <a:fillRef idx="0">
+            <a:schemeClr val="accent1"/>
+          </a:fillRef>
+          <a:effectRef idx="0">
+            <a:schemeClr val="accent1"/>
+          </a:effectRef>
+          <a:fontRef idx="minor">
+            <a:schemeClr val="tx1"/>
+          </a:fontRef>
+        </p:style>
+      </p:cxnSp>
+      <p:cxnSp>
+        <p:nvCxnSpPr>
+          <p:cNvPr id="28" name="Straight Arrow Connector 27"/>
+          <p:cNvCxnSpPr>
+            <a:stCxn id="12" idx="6"/>
+          </p:cNvCxnSpPr>
+          <p:nvPr/>
+        </p:nvCxnSpPr>
+        <p:spPr>
+          <a:xfrm>
+            <a:off x="3841984" y="2166906"/>
+            <a:ext cx="476016" cy="0"/>
+          </a:xfrm>
+          <a:prstGeom prst="straightConnector1">
+            <a:avLst/>
+          </a:prstGeom>
+          <a:ln>
+            <a:tailEnd type="triangle"/>
+          </a:ln>
+        </p:spPr>
+        <p:style>
+          <a:lnRef idx="1">
+            <a:schemeClr val="accent1"/>
+          </a:lnRef>
+          <a:fillRef idx="0">
+            <a:schemeClr val="accent1"/>
+          </a:fillRef>
+          <a:effectRef idx="0">
+            <a:schemeClr val="accent1"/>
+          </a:effectRef>
+          <a:fontRef idx="minor">
+            <a:schemeClr val="tx1"/>
+          </a:fontRef>
+        </p:style>
+      </p:cxnSp>
+      <p:cxnSp>
+        <p:nvCxnSpPr>
+          <p:cNvPr id="30" name="Straight Arrow Connector 29"/>
+          <p:cNvCxnSpPr>
+            <a:stCxn id="12" idx="5"/>
+          </p:cNvCxnSpPr>
+          <p:nvPr/>
+        </p:nvCxnSpPr>
+        <p:spPr>
+          <a:xfrm>
+            <a:off x="3650090" y="2566527"/>
+            <a:ext cx="337710" cy="165529"/>
+          </a:xfrm>
+          <a:prstGeom prst="straightConnector1">
+            <a:avLst/>
+          </a:prstGeom>
+          <a:ln>
+            <a:tailEnd type="triangle"/>
+          </a:ln>
+        </p:spPr>
+        <p:style>
+          <a:lnRef idx="1">
+            <a:schemeClr val="accent1"/>
+          </a:lnRef>
+          <a:fillRef idx="0">
+            <a:schemeClr val="accent1"/>
+          </a:fillRef>
+          <a:effectRef idx="0">
+            <a:schemeClr val="accent1"/>
+          </a:effectRef>
+          <a:fontRef idx="minor">
+            <a:schemeClr val="tx1"/>
+          </a:fontRef>
+        </p:style>
+      </p:cxnSp>
+      <p:cxnSp>
+        <p:nvCxnSpPr>
+          <p:cNvPr id="32" name="Straight Arrow Connector 31"/>
+          <p:cNvCxnSpPr>
+            <a:stCxn id="13" idx="7"/>
+          </p:cNvCxnSpPr>
+          <p:nvPr/>
+        </p:nvCxnSpPr>
+        <p:spPr>
+          <a:xfrm flipV="1">
+            <a:off x="6891057" y="3458778"/>
+            <a:ext cx="55841" cy="165529"/>
+          </a:xfrm>
+          <a:prstGeom prst="straightConnector1">
+            <a:avLst/>
+          </a:prstGeom>
+          <a:ln>
+            <a:tailEnd type="triangle"/>
+          </a:ln>
+        </p:spPr>
+        <p:style>
+          <a:lnRef idx="1">
+            <a:schemeClr val="accent1"/>
+          </a:lnRef>
+          <a:fillRef idx="0">
+            <a:schemeClr val="accent1"/>
+          </a:fillRef>
+          <a:effectRef idx="0">
+            <a:schemeClr val="accent1"/>
+          </a:effectRef>
+          <a:fontRef idx="minor">
+            <a:schemeClr val="tx1"/>
+          </a:fontRef>
+        </p:style>
+      </p:cxnSp>
+      <p:cxnSp>
+        <p:nvCxnSpPr>
+          <p:cNvPr id="34" name="Straight Arrow Connector 33"/>
+          <p:cNvCxnSpPr>
+            <a:stCxn id="13" idx="6"/>
+          </p:cNvCxnSpPr>
+          <p:nvPr/>
+        </p:nvCxnSpPr>
+        <p:spPr>
+          <a:xfrm>
+            <a:off x="7077405" y="4023928"/>
+            <a:ext cx="364795" cy="8580"/>
+          </a:xfrm>
+          <a:prstGeom prst="straightConnector1">
+            <a:avLst/>
+          </a:prstGeom>
+          <a:ln>
+            <a:tailEnd type="triangle"/>
+          </a:ln>
+        </p:spPr>
+        <p:style>
+          <a:lnRef idx="1">
+            <a:schemeClr val="accent1"/>
+          </a:lnRef>
+          <a:fillRef idx="0">
+            <a:schemeClr val="accent1"/>
+          </a:fillRef>
+          <a:effectRef idx="0">
+            <a:schemeClr val="accent1"/>
+          </a:effectRef>
+          <a:fontRef idx="minor">
+            <a:schemeClr val="tx1"/>
+          </a:fontRef>
+        </p:style>
+      </p:cxnSp>
+      <p:cxnSp>
+        <p:nvCxnSpPr>
+          <p:cNvPr id="36" name="Straight Arrow Connector 35"/>
+          <p:cNvCxnSpPr>
+            <a:stCxn id="13" idx="5"/>
+          </p:cNvCxnSpPr>
+          <p:nvPr/>
+        </p:nvCxnSpPr>
+        <p:spPr>
+          <a:xfrm>
+            <a:off x="6891057" y="4423549"/>
+            <a:ext cx="186348" cy="88164"/>
+          </a:xfrm>
+          <a:prstGeom prst="straightConnector1">
+            <a:avLst/>
+          </a:prstGeom>
+          <a:ln>
+            <a:tailEnd type="triangle"/>
+          </a:ln>
+        </p:spPr>
+        <p:style>
+          <a:lnRef idx="1">
+            <a:schemeClr val="accent1"/>
+          </a:lnRef>
+          <a:fillRef idx="0">
+            <a:schemeClr val="accent1"/>
+          </a:fillRef>
+          <a:effectRef idx="0">
+            <a:schemeClr val="accent1"/>
+          </a:effectRef>
+          <a:fontRef idx="minor">
+            <a:schemeClr val="tx1"/>
+          </a:fontRef>
+        </p:style>
+      </p:cxnSp>
+      <p:cxnSp>
+        <p:nvCxnSpPr>
+          <p:cNvPr id="38" name="Straight Arrow Connector 37"/>
+          <p:cNvCxnSpPr>
+            <a:stCxn id="14" idx="7"/>
+          </p:cNvCxnSpPr>
+          <p:nvPr/>
+        </p:nvCxnSpPr>
+        <p:spPr>
+          <a:xfrm flipV="1">
+            <a:off x="3991139" y="4942850"/>
+            <a:ext cx="99455" cy="87770"/>
+          </a:xfrm>
+          <a:prstGeom prst="straightConnector1">
+            <a:avLst/>
+          </a:prstGeom>
+          <a:ln>
+            <a:tailEnd type="triangle"/>
+          </a:ln>
+        </p:spPr>
+        <p:style>
+          <a:lnRef idx="1">
+            <a:schemeClr val="accent1"/>
+          </a:lnRef>
+          <a:fillRef idx="0">
+            <a:schemeClr val="accent1"/>
+          </a:fillRef>
+          <a:effectRef idx="0">
+            <a:schemeClr val="accent1"/>
+          </a:effectRef>
+          <a:fontRef idx="minor">
+            <a:schemeClr val="tx1"/>
+          </a:fontRef>
+        </p:style>
+      </p:cxnSp>
+      <p:cxnSp>
+        <p:nvCxnSpPr>
+          <p:cNvPr id="40" name="Straight Arrow Connector 39"/>
+          <p:cNvCxnSpPr>
+            <a:stCxn id="14" idx="6"/>
+          </p:cNvCxnSpPr>
+          <p:nvPr/>
+        </p:nvCxnSpPr>
+        <p:spPr>
+          <a:xfrm>
+            <a:off x="4183033" y="5430241"/>
+            <a:ext cx="490567" cy="0"/>
+          </a:xfrm>
+          <a:prstGeom prst="straightConnector1">
+            <a:avLst/>
+          </a:prstGeom>
+          <a:ln>
+            <a:tailEnd type="triangle"/>
+          </a:ln>
+        </p:spPr>
+        <p:style>
+          <a:lnRef idx="1">
+            <a:schemeClr val="accent1"/>
+          </a:lnRef>
+          <a:fillRef idx="0">
+            <a:schemeClr val="accent1"/>
+          </a:fillRef>
+          <a:effectRef idx="0">
+            <a:schemeClr val="accent1"/>
+          </a:effectRef>
+          <a:fontRef idx="minor">
+            <a:schemeClr val="tx1"/>
+          </a:fontRef>
+        </p:style>
+      </p:cxnSp>
+      <p:cxnSp>
+        <p:nvCxnSpPr>
+          <p:cNvPr id="42" name="Straight Arrow Connector 41"/>
+          <p:cNvCxnSpPr>
+            <a:stCxn id="14" idx="5"/>
+          </p:cNvCxnSpPr>
+          <p:nvPr/>
+        </p:nvCxnSpPr>
+        <p:spPr>
+          <a:xfrm>
+            <a:off x="3991139" y="5829862"/>
+            <a:ext cx="177160" cy="119889"/>
+          </a:xfrm>
+          <a:prstGeom prst="straightConnector1">
+            <a:avLst/>
+          </a:prstGeom>
+          <a:ln>
+            <a:tailEnd type="triangle"/>
+          </a:ln>
+        </p:spPr>
+        <p:style>
+          <a:lnRef idx="1">
+            <a:schemeClr val="accent1"/>
+          </a:lnRef>
+          <a:fillRef idx="0">
+            <a:schemeClr val="accent1"/>
+          </a:fillRef>
+          <a:effectRef idx="0">
+            <a:schemeClr val="accent1"/>
+          </a:effectRef>
+          <a:fontRef idx="minor">
+            <a:schemeClr val="tx1"/>
+          </a:fontRef>
+        </p:style>
+      </p:cxnSp>
+      <p:cxnSp>
+        <p:nvCxnSpPr>
+          <p:cNvPr id="45" name="Straight Arrow Connector 44"/>
+          <p:cNvCxnSpPr>
+            <a:stCxn id="4" idx="4"/>
+          </p:cNvCxnSpPr>
+          <p:nvPr/>
+        </p:nvCxnSpPr>
+        <p:spPr>
+          <a:xfrm>
+            <a:off x="1909131" y="1476645"/>
+            <a:ext cx="622522" cy="290640"/>
+          </a:xfrm>
+          <a:prstGeom prst="straightConnector1">
+            <a:avLst/>
+          </a:prstGeom>
+          <a:ln>
+            <a:tailEnd type="triangle"/>
+          </a:ln>
+        </p:spPr>
+        <p:style>
+          <a:lnRef idx="1">
+            <a:schemeClr val="accent1"/>
+          </a:lnRef>
+          <a:fillRef idx="0">
+            <a:schemeClr val="accent1"/>
+          </a:fillRef>
+          <a:effectRef idx="0">
+            <a:schemeClr val="accent1"/>
+          </a:effectRef>
+          <a:fontRef idx="minor">
+            <a:schemeClr val="tx1"/>
+          </a:fontRef>
+        </p:style>
+      </p:cxnSp>
+      <p:cxnSp>
+        <p:nvCxnSpPr>
+          <p:cNvPr id="60" name="Elbow Connector 59"/>
+          <p:cNvCxnSpPr/>
+          <p:nvPr/>
+        </p:nvCxnSpPr>
+        <p:spPr>
+          <a:xfrm>
+            <a:off x="1050272" y="4023928"/>
+            <a:ext cx="4632544" cy="6349"/>
+          </a:xfrm>
+          <a:prstGeom prst="bentConnector3">
+            <a:avLst/>
+          </a:prstGeom>
+          <a:ln>
+            <a:tailEnd type="triangle"/>
+          </a:ln>
+        </p:spPr>
+        <p:style>
+          <a:lnRef idx="1">
+            <a:schemeClr val="accent1"/>
+          </a:lnRef>
+          <a:fillRef idx="0">
+            <a:schemeClr val="accent1"/>
+          </a:fillRef>
+          <a:effectRef idx="0">
+            <a:schemeClr val="accent1"/>
+          </a:effectRef>
+          <a:fontRef idx="minor">
+            <a:schemeClr val="tx1"/>
+          </a:fontRef>
+        </p:style>
+      </p:cxnSp>
+      <p:cxnSp>
+        <p:nvCxnSpPr>
+          <p:cNvPr id="66" name="Straight Connector 65"/>
+          <p:cNvCxnSpPr>
+            <a:endCxn id="4" idx="3"/>
+          </p:cNvCxnSpPr>
+          <p:nvPr/>
+        </p:nvCxnSpPr>
+        <p:spPr>
+          <a:xfrm flipV="1">
+            <a:off x="1050272" y="1476645"/>
+            <a:ext cx="1" cy="2555863"/>
+          </a:xfrm>
+          <a:prstGeom prst="line">
+            <a:avLst/>
+          </a:prstGeom>
+        </p:spPr>
+        <p:style>
+          <a:lnRef idx="1">
+            <a:schemeClr val="accent1"/>
+          </a:lnRef>
+          <a:fillRef idx="0">
+            <a:schemeClr val="accent1"/>
+          </a:fillRef>
+          <a:effectRef idx="0">
+            <a:schemeClr val="accent1"/>
+          </a:effectRef>
+          <a:fontRef idx="minor">
+            <a:schemeClr val="tx1"/>
+          </a:fontRef>
+        </p:style>
+      </p:cxnSp>
+      <p:cxnSp>
+        <p:nvCxnSpPr>
+          <p:cNvPr id="69" name="Straight Arrow Connector 68"/>
+          <p:cNvCxnSpPr/>
+          <p:nvPr/>
+        </p:nvCxnSpPr>
+        <p:spPr>
+          <a:xfrm>
+            <a:off x="1050272" y="2389295"/>
+            <a:ext cx="1362728" cy="0"/>
+          </a:xfrm>
+          <a:prstGeom prst="straightConnector1">
+            <a:avLst/>
+          </a:prstGeom>
+          <a:ln>
+            <a:tailEnd type="triangle"/>
+          </a:ln>
+        </p:spPr>
+        <p:style>
+          <a:lnRef idx="1">
+            <a:schemeClr val="accent1"/>
+          </a:lnRef>
+          <a:fillRef idx="0">
+            <a:schemeClr val="accent1"/>
+          </a:fillRef>
+          <a:effectRef idx="0">
+            <a:schemeClr val="accent1"/>
+          </a:effectRef>
+          <a:fontRef idx="minor">
+            <a:schemeClr val="tx1"/>
+          </a:fontRef>
+        </p:style>
+      </p:cxnSp>
+      <p:cxnSp>
+        <p:nvCxnSpPr>
+          <p:cNvPr id="72" name="Elbow Connector 71"/>
+          <p:cNvCxnSpPr/>
+          <p:nvPr/>
+        </p:nvCxnSpPr>
+        <p:spPr>
+          <a:xfrm>
+            <a:off x="1050272" y="4032508"/>
+            <a:ext cx="1631512" cy="1397733"/>
+          </a:xfrm>
+          <a:prstGeom prst="bentConnector3">
+            <a:avLst/>
+          </a:prstGeom>
+          <a:ln>
+            <a:tailEnd type="triangle"/>
+          </a:ln>
+        </p:spPr>
+        <p:style>
+          <a:lnRef idx="1">
+            <a:schemeClr val="accent1"/>
+          </a:lnRef>
+          <a:fillRef idx="0">
+            <a:schemeClr val="accent1"/>
+          </a:fillRef>
+          <a:effectRef idx="0">
+            <a:schemeClr val="accent1"/>
+          </a:effectRef>
+          <a:fontRef idx="minor">
+            <a:schemeClr val="tx1"/>
+          </a:fontRef>
+        </p:style>
+      </p:cxnSp>
+      <p:cxnSp>
+        <p:nvCxnSpPr>
+          <p:cNvPr id="74" name="Straight Arrow Connector 73"/>
+          <p:cNvCxnSpPr>
+            <a:stCxn id="5" idx="0"/>
+          </p:cNvCxnSpPr>
+          <p:nvPr/>
+        </p:nvCxnSpPr>
+        <p:spPr>
+          <a:xfrm>
+            <a:off x="1007170" y="5665478"/>
+            <a:ext cx="1708071" cy="58906"/>
+          </a:xfrm>
+          <a:prstGeom prst="straightConnector1">
+            <a:avLst/>
+          </a:prstGeom>
+          <a:ln>
+            <a:tailEnd type="triangle"/>
+          </a:ln>
+        </p:spPr>
+        <p:style>
+          <a:lnRef idx="1">
+            <a:schemeClr val="accent1"/>
+          </a:lnRef>
+          <a:fillRef idx="0">
+            <a:schemeClr val="accent1"/>
+          </a:fillRef>
+          <a:effectRef idx="0">
+            <a:schemeClr val="accent1"/>
+          </a:effectRef>
+          <a:fontRef idx="minor">
+            <a:schemeClr val="tx1"/>
+          </a:fontRef>
+        </p:style>
+      </p:cxnSp>
+      <p:cxnSp>
+        <p:nvCxnSpPr>
+          <p:cNvPr id="79" name="Straight Connector 78"/>
+          <p:cNvCxnSpPr>
+            <a:stCxn id="5" idx="0"/>
+          </p:cNvCxnSpPr>
+          <p:nvPr/>
+        </p:nvCxnSpPr>
+        <p:spPr>
+          <a:xfrm flipH="1">
+            <a:off x="482600" y="5665478"/>
+            <a:ext cx="524570" cy="0"/>
+          </a:xfrm>
+          <a:prstGeom prst="line">
+            <a:avLst/>
+          </a:prstGeom>
+        </p:spPr>
+        <p:style>
+          <a:lnRef idx="1">
+            <a:schemeClr val="accent1"/>
+          </a:lnRef>
+          <a:fillRef idx="0">
+            <a:schemeClr val="accent1"/>
+          </a:fillRef>
+          <a:effectRef idx="0">
+            <a:schemeClr val="accent1"/>
+          </a:effectRef>
+          <a:fontRef idx="minor">
+            <a:schemeClr val="tx1"/>
+          </a:fontRef>
+        </p:style>
+      </p:cxnSp>
+      <p:cxnSp>
+        <p:nvCxnSpPr>
+          <p:cNvPr id="84" name="Straight Connector 83"/>
+          <p:cNvCxnSpPr/>
+          <p:nvPr/>
+        </p:nvCxnSpPr>
+        <p:spPr>
+          <a:xfrm flipV="1">
+            <a:off x="482600" y="3668420"/>
+            <a:ext cx="0" cy="1997058"/>
+          </a:xfrm>
+          <a:prstGeom prst="line">
+            <a:avLst/>
+          </a:prstGeom>
+        </p:spPr>
+        <p:style>
+          <a:lnRef idx="1">
+            <a:schemeClr val="accent1"/>
+          </a:lnRef>
+          <a:fillRef idx="0">
+            <a:schemeClr val="accent1"/>
+          </a:fillRef>
+          <a:effectRef idx="0">
+            <a:schemeClr val="accent1"/>
+          </a:effectRef>
+          <a:fontRef idx="minor">
+            <a:schemeClr val="tx1"/>
+          </a:fontRef>
+        </p:style>
+      </p:cxnSp>
+      <p:cxnSp>
+        <p:nvCxnSpPr>
+          <p:cNvPr id="88" name="Straight Arrow Connector 87"/>
+          <p:cNvCxnSpPr/>
+          <p:nvPr/>
+        </p:nvCxnSpPr>
+        <p:spPr>
+          <a:xfrm flipV="1">
+            <a:off x="482600" y="3655916"/>
+            <a:ext cx="5200216" cy="12504"/>
+          </a:xfrm>
+          <a:prstGeom prst="straightConnector1">
+            <a:avLst/>
+          </a:prstGeom>
+          <a:ln>
+            <a:tailEnd type="triangle"/>
+          </a:ln>
+        </p:spPr>
+        <p:style>
+          <a:lnRef idx="1">
+            <a:schemeClr val="accent1"/>
+          </a:lnRef>
+          <a:fillRef idx="0">
+            <a:schemeClr val="accent1"/>
+          </a:fillRef>
+          <a:effectRef idx="0">
+            <a:schemeClr val="accent1"/>
+          </a:effectRef>
+          <a:fontRef idx="minor">
+            <a:schemeClr val="tx1"/>
+          </a:fontRef>
+        </p:style>
+      </p:cxnSp>
+      <p:cxnSp>
+        <p:nvCxnSpPr>
+          <p:cNvPr id="90" name="Straight Connector 89"/>
+          <p:cNvCxnSpPr/>
+          <p:nvPr/>
+        </p:nvCxnSpPr>
+        <p:spPr>
+          <a:xfrm flipV="1">
+            <a:off x="482600" y="2166906"/>
+            <a:ext cx="0" cy="1501514"/>
+          </a:xfrm>
+          <a:prstGeom prst="line">
+            <a:avLst/>
+          </a:prstGeom>
+        </p:spPr>
+        <p:style>
+          <a:lnRef idx="1">
+            <a:schemeClr val="accent1"/>
+          </a:lnRef>
+          <a:fillRef idx="0">
+            <a:schemeClr val="accent1"/>
+          </a:fillRef>
+          <a:effectRef idx="0">
+            <a:schemeClr val="accent1"/>
+          </a:effectRef>
+          <a:fontRef idx="minor">
+            <a:schemeClr val="tx1"/>
+          </a:fontRef>
+        </p:style>
+      </p:cxnSp>
+      <p:cxnSp>
+        <p:nvCxnSpPr>
+          <p:cNvPr id="92" name="Straight Arrow Connector 91"/>
+          <p:cNvCxnSpPr/>
+          <p:nvPr/>
+        </p:nvCxnSpPr>
+        <p:spPr>
+          <a:xfrm>
+            <a:off x="482600" y="2166906"/>
+            <a:ext cx="1930400" cy="0"/>
+          </a:xfrm>
+          <a:prstGeom prst="straightConnector1">
+            <a:avLst/>
+          </a:prstGeom>
+          <a:ln>
+            <a:tailEnd type="triangle"/>
+          </a:ln>
+        </p:spPr>
+        <p:style>
+          <a:lnRef idx="1">
+            <a:schemeClr val="accent1"/>
+          </a:lnRef>
+          <a:fillRef idx="0">
+            <a:schemeClr val="accent1"/>
+          </a:fillRef>
+          <a:effectRef idx="0">
+            <a:schemeClr val="accent1"/>
+          </a:effectRef>
+          <a:fontRef idx="minor">
+            <a:schemeClr val="tx1"/>
+          </a:fontRef>
+        </p:style>
+      </p:cxnSp>
     </p:spTree>
     <p:extLst>
       <p:ext uri="{BB962C8B-B14F-4D97-AF65-F5344CB8AC3E}">

--- a/Documents/Diagrams/UML_Diagram_Version_2 [Draft_in_Progress].pptx
+++ b/Documents/Diagrams/UML_Diagram_Version_2 [Draft_in_Progress].pptx
@@ -4893,7 +4893,7 @@
               <a:pPr algn="ctr"/>
               <a:r>
                 <a:rPr lang="en-US" sz="1100" dirty="0" smtClean="0"/>
-                <a:t>ADD STARTPOINT LOCATION</a:t>
+                <a:t>ADD  LOCATION(S)</a:t>
               </a:r>
               <a:endParaRPr lang="en-US" sz="1100" dirty="0"/>
             </a:p>
@@ -4936,8 +4936,12 @@
             <a:p>
               <a:pPr algn="ctr"/>
               <a:r>
+                <a:rPr lang="en-US" sz="1100" smtClean="0"/>
+                <a:t>ADD ENDPOINT </a:t>
+              </a:r>
+              <a:r>
                 <a:rPr lang="en-US" sz="1100" dirty="0" smtClean="0"/>
-                <a:t>ADD STARTPOINT LOCATION</a:t>
+                <a:t>LOCATION</a:t>
               </a:r>
               <a:endParaRPr lang="en-US" sz="1100" dirty="0"/>
             </a:p>
@@ -5026,7 +5030,7 @@
             <a:pPr algn="ctr"/>
             <a:r>
               <a:rPr lang="en-US" sz="1100" dirty="0" smtClean="0"/>
-              <a:t>CHANGE STARTPOINT LOCATION</a:t>
+              <a:t>CHANGE  LOCATION(S)</a:t>
             </a:r>
             <a:endParaRPr lang="en-US" sz="1100" dirty="0"/>
           </a:p>
@@ -5070,7 +5074,7 @@
             <a:pPr algn="ctr"/>
             <a:r>
               <a:rPr lang="en-US" sz="1100" dirty="0" smtClean="0"/>
-              <a:t>CHANGE STARTPOINT LOCATION</a:t>
+              <a:t>CHANGE ENDPOINT LOCATION</a:t>
             </a:r>
             <a:endParaRPr lang="en-US" sz="1100" dirty="0"/>
           </a:p>
@@ -5158,7 +5162,7 @@
             <a:pPr algn="ctr"/>
             <a:r>
               <a:rPr lang="en-US" sz="1100" dirty="0" smtClean="0"/>
-              <a:t>DELETE STARTPOINT LOCATION</a:t>
+              <a:t>DELETE  LOCATION(S)</a:t>
             </a:r>
             <a:endParaRPr lang="en-US" sz="1100" dirty="0"/>
           </a:p>
@@ -5202,7 +5206,7 @@
             <a:pPr algn="ctr"/>
             <a:r>
               <a:rPr lang="en-US" sz="1100" dirty="0" smtClean="0"/>
-              <a:t>DELETE STARTPOINT LOCATION</a:t>
+              <a:t>DELETE ENDPOINT LOCATION</a:t>
             </a:r>
             <a:endParaRPr lang="en-US" sz="1100" dirty="0"/>
           </a:p>

--- a/Documents/Diagrams/UML_Diagram_Version_2 [Draft_in_Progress].pptx
+++ b/Documents/Diagrams/UML_Diagram_Version_2 [Draft_in_Progress].pptx
@@ -4936,12 +4936,8 @@
             <a:p>
               <a:pPr algn="ctr"/>
               <a:r>
-                <a:rPr lang="en-US" sz="1100" smtClean="0"/>
-                <a:t>ADD ENDPOINT </a:t>
-              </a:r>
-              <a:r>
                 <a:rPr lang="en-US" sz="1100" dirty="0" smtClean="0"/>
-                <a:t>LOCATION</a:t>
+                <a:t>ADD ENDPOINT LOCATION</a:t>
               </a:r>
               <a:endParaRPr lang="en-US" sz="1100" dirty="0"/>
             </a:p>
@@ -5980,6 +5976,285 @@
           </a:p>
         </p:txBody>
       </p:sp>
+      <p:sp>
+        <p:nvSpPr>
+          <p:cNvPr id="3" name="Oval 2"/>
+          <p:cNvSpPr/>
+          <p:nvPr/>
+        </p:nvSpPr>
+        <p:spPr>
+          <a:xfrm>
+            <a:off x="3390900" y="1325744"/>
+            <a:ext cx="2019300" cy="1358900"/>
+          </a:xfrm>
+          <a:prstGeom prst="ellipse">
+            <a:avLst/>
+          </a:prstGeom>
+        </p:spPr>
+        <p:style>
+          <a:lnRef idx="2">
+            <a:schemeClr val="accent1">
+              <a:shade val="50000"/>
+            </a:schemeClr>
+          </a:lnRef>
+          <a:fillRef idx="1">
+            <a:schemeClr val="accent1"/>
+          </a:fillRef>
+          <a:effectRef idx="0">
+            <a:schemeClr val="accent1"/>
+          </a:effectRef>
+          <a:fontRef idx="minor">
+            <a:schemeClr val="lt1"/>
+          </a:fontRef>
+        </p:style>
+        <p:txBody>
+          <a:bodyPr rtlCol="0" anchor="ctr"/>
+          <a:lstStyle/>
+          <a:p>
+            <a:pPr algn="ctr"/>
+            <a:r>
+              <a:rPr lang="en-US" dirty="0" smtClean="0"/>
+              <a:t>CALCULATE SHORTEST DISTANCE</a:t>
+            </a:r>
+            <a:endParaRPr lang="en-US" dirty="0"/>
+          </a:p>
+        </p:txBody>
+      </p:sp>
+      <p:sp>
+        <p:nvSpPr>
+          <p:cNvPr id="5" name="Oval 4"/>
+          <p:cNvSpPr/>
+          <p:nvPr/>
+        </p:nvSpPr>
+        <p:spPr>
+          <a:xfrm>
+            <a:off x="3390900" y="3111499"/>
+            <a:ext cx="2019300" cy="1358900"/>
+          </a:xfrm>
+          <a:prstGeom prst="ellipse">
+            <a:avLst/>
+          </a:prstGeom>
+        </p:spPr>
+        <p:style>
+          <a:lnRef idx="2">
+            <a:schemeClr val="accent1">
+              <a:shade val="50000"/>
+            </a:schemeClr>
+          </a:lnRef>
+          <a:fillRef idx="1">
+            <a:schemeClr val="accent1"/>
+          </a:fillRef>
+          <a:effectRef idx="0">
+            <a:schemeClr val="accent1"/>
+          </a:effectRef>
+          <a:fontRef idx="minor">
+            <a:schemeClr val="lt1"/>
+          </a:fontRef>
+        </p:style>
+        <p:txBody>
+          <a:bodyPr rtlCol="0" anchor="ctr"/>
+          <a:lstStyle/>
+          <a:p>
+            <a:pPr algn="ctr"/>
+            <a:r>
+              <a:rPr lang="en-US" dirty="0" smtClean="0"/>
+              <a:t>CALCULATE SHORTEST TRAVEL TIME</a:t>
+            </a:r>
+            <a:endParaRPr lang="en-US" dirty="0"/>
+          </a:p>
+        </p:txBody>
+      </p:sp>
+      <p:cxnSp>
+        <p:nvCxnSpPr>
+          <p:cNvPr id="7" name="Straight Arrow Connector 6"/>
+          <p:cNvCxnSpPr/>
+          <p:nvPr/>
+        </p:nvCxnSpPr>
+        <p:spPr>
+          <a:xfrm>
+            <a:off x="4400550" y="2583044"/>
+            <a:ext cx="0" cy="426855"/>
+          </a:xfrm>
+          <a:prstGeom prst="straightConnector1">
+            <a:avLst/>
+          </a:prstGeom>
+          <a:ln>
+            <a:tailEnd type="triangle"/>
+          </a:ln>
+        </p:spPr>
+        <p:style>
+          <a:lnRef idx="1">
+            <a:schemeClr val="accent1"/>
+          </a:lnRef>
+          <a:fillRef idx="0">
+            <a:schemeClr val="accent1"/>
+          </a:fillRef>
+          <a:effectRef idx="0">
+            <a:schemeClr val="accent1"/>
+          </a:effectRef>
+          <a:fontRef idx="minor">
+            <a:schemeClr val="tx1"/>
+          </a:fontRef>
+        </p:style>
+      </p:cxnSp>
+      <p:sp>
+        <p:nvSpPr>
+          <p:cNvPr id="8" name="Oval 7"/>
+          <p:cNvSpPr/>
+          <p:nvPr/>
+        </p:nvSpPr>
+        <p:spPr>
+          <a:xfrm>
+            <a:off x="4400550" y="5110344"/>
+            <a:ext cx="1644650" cy="693556"/>
+          </a:xfrm>
+          <a:prstGeom prst="ellipse">
+            <a:avLst/>
+          </a:prstGeom>
+        </p:spPr>
+        <p:style>
+          <a:lnRef idx="2">
+            <a:schemeClr val="accent1">
+              <a:shade val="50000"/>
+            </a:schemeClr>
+          </a:lnRef>
+          <a:fillRef idx="1">
+            <a:schemeClr val="accent1"/>
+          </a:fillRef>
+          <a:effectRef idx="0">
+            <a:schemeClr val="accent1"/>
+          </a:effectRef>
+          <a:fontRef idx="minor">
+            <a:schemeClr val="lt1"/>
+          </a:fontRef>
+        </p:style>
+        <p:txBody>
+          <a:bodyPr rtlCol="0" anchor="ctr"/>
+          <a:lstStyle/>
+          <a:p>
+            <a:pPr algn="ctr"/>
+            <a:r>
+              <a:rPr lang="en-US" sz="1400" dirty="0" smtClean="0"/>
+              <a:t>DISPLAY SHORTEST TRAVEL TIME</a:t>
+            </a:r>
+            <a:endParaRPr lang="en-US" sz="1400" dirty="0"/>
+          </a:p>
+        </p:txBody>
+      </p:sp>
+      <p:sp>
+        <p:nvSpPr>
+          <p:cNvPr id="10" name="Oval 9"/>
+          <p:cNvSpPr/>
+          <p:nvPr/>
+        </p:nvSpPr>
+        <p:spPr>
+          <a:xfrm>
+            <a:off x="2565400" y="5110344"/>
+            <a:ext cx="1590675" cy="693556"/>
+          </a:xfrm>
+          <a:prstGeom prst="ellipse">
+            <a:avLst/>
+          </a:prstGeom>
+        </p:spPr>
+        <p:style>
+          <a:lnRef idx="2">
+            <a:schemeClr val="accent1">
+              <a:shade val="50000"/>
+            </a:schemeClr>
+          </a:lnRef>
+          <a:fillRef idx="1">
+            <a:schemeClr val="accent1"/>
+          </a:fillRef>
+          <a:effectRef idx="0">
+            <a:schemeClr val="accent1"/>
+          </a:effectRef>
+          <a:fontRef idx="minor">
+            <a:schemeClr val="lt1"/>
+          </a:fontRef>
+        </p:style>
+        <p:txBody>
+          <a:bodyPr rtlCol="0" anchor="ctr"/>
+          <a:lstStyle/>
+          <a:p>
+            <a:pPr algn="ctr"/>
+            <a:r>
+              <a:rPr lang="en-US" sz="1400" dirty="0" smtClean="0"/>
+              <a:t>DISPLAY SHORTEST DISTANCE</a:t>
+            </a:r>
+            <a:endParaRPr lang="en-US" sz="1400" dirty="0"/>
+          </a:p>
+        </p:txBody>
+      </p:sp>
+      <p:cxnSp>
+        <p:nvCxnSpPr>
+          <p:cNvPr id="12" name="Straight Arrow Connector 11"/>
+          <p:cNvCxnSpPr>
+            <a:stCxn id="5" idx="4"/>
+          </p:cNvCxnSpPr>
+          <p:nvPr/>
+        </p:nvCxnSpPr>
+        <p:spPr>
+          <a:xfrm flipH="1">
+            <a:off x="3644900" y="4470399"/>
+            <a:ext cx="755650" cy="533401"/>
+          </a:xfrm>
+          <a:prstGeom prst="straightConnector1">
+            <a:avLst/>
+          </a:prstGeom>
+          <a:ln>
+            <a:tailEnd type="triangle"/>
+          </a:ln>
+        </p:spPr>
+        <p:style>
+          <a:lnRef idx="1">
+            <a:schemeClr val="accent1"/>
+          </a:lnRef>
+          <a:fillRef idx="0">
+            <a:schemeClr val="accent1"/>
+          </a:fillRef>
+          <a:effectRef idx="0">
+            <a:schemeClr val="accent1"/>
+          </a:effectRef>
+          <a:fontRef idx="minor">
+            <a:schemeClr val="tx1"/>
+          </a:fontRef>
+        </p:style>
+      </p:cxnSp>
+      <p:cxnSp>
+        <p:nvCxnSpPr>
+          <p:cNvPr id="14" name="Straight Arrow Connector 13"/>
+          <p:cNvCxnSpPr>
+            <a:stCxn id="5" idx="4"/>
+          </p:cNvCxnSpPr>
+          <p:nvPr/>
+        </p:nvCxnSpPr>
+        <p:spPr>
+          <a:xfrm>
+            <a:off x="4400550" y="4470399"/>
+            <a:ext cx="641350" cy="533401"/>
+          </a:xfrm>
+          <a:prstGeom prst="straightConnector1">
+            <a:avLst/>
+          </a:prstGeom>
+          <a:ln>
+            <a:tailEnd type="triangle"/>
+          </a:ln>
+        </p:spPr>
+        <p:style>
+          <a:lnRef idx="1">
+            <a:schemeClr val="accent1"/>
+          </a:lnRef>
+          <a:fillRef idx="0">
+            <a:schemeClr val="accent1"/>
+          </a:fillRef>
+          <a:effectRef idx="0">
+            <a:schemeClr val="accent1"/>
+          </a:effectRef>
+          <a:fontRef idx="minor">
+            <a:schemeClr val="tx1"/>
+          </a:fontRef>
+        </p:style>
+      </p:cxnSp>
     </p:spTree>
     <p:extLst>
       <p:ext uri="{BB962C8B-B14F-4D97-AF65-F5344CB8AC3E}">

--- a/Documents/Diagrams/UML_Diagram_Version_2 [Draft_in_Progress].pptx
+++ b/Documents/Diagrams/UML_Diagram_Version_2 [Draft_in_Progress].pptx
@@ -246,7 +246,7 @@
           <a:p>
             <a:fld id="{C3CA473D-D2B3-4F86-8EAE-ADB70AD55C44}" type="datetimeFigureOut">
               <a:rPr lang="en-US" smtClean="0"/>
-              <a:t>10/20/2013</a:t>
+              <a:t>12/4/2013</a:t>
             </a:fld>
             <a:endParaRPr lang="en-US"/>
           </a:p>
@@ -416,7 +416,7 @@
           <a:p>
             <a:fld id="{C3CA473D-D2B3-4F86-8EAE-ADB70AD55C44}" type="datetimeFigureOut">
               <a:rPr lang="en-US" smtClean="0"/>
-              <a:t>10/20/2013</a:t>
+              <a:t>12/4/2013</a:t>
             </a:fld>
             <a:endParaRPr lang="en-US"/>
           </a:p>
@@ -596,7 +596,7 @@
           <a:p>
             <a:fld id="{C3CA473D-D2B3-4F86-8EAE-ADB70AD55C44}" type="datetimeFigureOut">
               <a:rPr lang="en-US" smtClean="0"/>
-              <a:t>10/20/2013</a:t>
+              <a:t>12/4/2013</a:t>
             </a:fld>
             <a:endParaRPr lang="en-US"/>
           </a:p>
@@ -766,7 +766,7 @@
           <a:p>
             <a:fld id="{C3CA473D-D2B3-4F86-8EAE-ADB70AD55C44}" type="datetimeFigureOut">
               <a:rPr lang="en-US" smtClean="0"/>
-              <a:t>10/20/2013</a:t>
+              <a:t>12/4/2013</a:t>
             </a:fld>
             <a:endParaRPr lang="en-US"/>
           </a:p>
@@ -1010,7 +1010,7 @@
           <a:p>
             <a:fld id="{C3CA473D-D2B3-4F86-8EAE-ADB70AD55C44}" type="datetimeFigureOut">
               <a:rPr lang="en-US" smtClean="0"/>
-              <a:t>10/20/2013</a:t>
+              <a:t>12/4/2013</a:t>
             </a:fld>
             <a:endParaRPr lang="en-US"/>
           </a:p>
@@ -1242,7 +1242,7 @@
           <a:p>
             <a:fld id="{C3CA473D-D2B3-4F86-8EAE-ADB70AD55C44}" type="datetimeFigureOut">
               <a:rPr lang="en-US" smtClean="0"/>
-              <a:t>10/20/2013</a:t>
+              <a:t>12/4/2013</a:t>
             </a:fld>
             <a:endParaRPr lang="en-US"/>
           </a:p>
@@ -1609,7 +1609,7 @@
           <a:p>
             <a:fld id="{C3CA473D-D2B3-4F86-8EAE-ADB70AD55C44}" type="datetimeFigureOut">
               <a:rPr lang="en-US" smtClean="0"/>
-              <a:t>10/20/2013</a:t>
+              <a:t>12/4/2013</a:t>
             </a:fld>
             <a:endParaRPr lang="en-US"/>
           </a:p>
@@ -1727,7 +1727,7 @@
           <a:p>
             <a:fld id="{C3CA473D-D2B3-4F86-8EAE-ADB70AD55C44}" type="datetimeFigureOut">
               <a:rPr lang="en-US" smtClean="0"/>
-              <a:t>10/20/2013</a:t>
+              <a:t>12/4/2013</a:t>
             </a:fld>
             <a:endParaRPr lang="en-US"/>
           </a:p>
@@ -1822,7 +1822,7 @@
           <a:p>
             <a:fld id="{C3CA473D-D2B3-4F86-8EAE-ADB70AD55C44}" type="datetimeFigureOut">
               <a:rPr lang="en-US" smtClean="0"/>
-              <a:t>10/20/2013</a:t>
+              <a:t>12/4/2013</a:t>
             </a:fld>
             <a:endParaRPr lang="en-US"/>
           </a:p>
@@ -2099,7 +2099,7 @@
           <a:p>
             <a:fld id="{C3CA473D-D2B3-4F86-8EAE-ADB70AD55C44}" type="datetimeFigureOut">
               <a:rPr lang="en-US" smtClean="0"/>
-              <a:t>10/20/2013</a:t>
+              <a:t>12/4/2013</a:t>
             </a:fld>
             <a:endParaRPr lang="en-US"/>
           </a:p>
@@ -2356,7 +2356,7 @@
           <a:p>
             <a:fld id="{C3CA473D-D2B3-4F86-8EAE-ADB70AD55C44}" type="datetimeFigureOut">
               <a:rPr lang="en-US" smtClean="0"/>
-              <a:t>10/20/2013</a:t>
+              <a:t>12/4/2013</a:t>
             </a:fld>
             <a:endParaRPr lang="en-US"/>
           </a:p>
@@ -2569,7 +2569,7 @@
           <a:p>
             <a:fld id="{C3CA473D-D2B3-4F86-8EAE-ADB70AD55C44}" type="datetimeFigureOut">
               <a:rPr lang="en-US" smtClean="0"/>
-              <a:t>10/20/2013</a:t>
+              <a:t>12/4/2013</a:t>
             </a:fld>
             <a:endParaRPr lang="en-US"/>
           </a:p>
@@ -2982,8 +2982,8 @@
         </p:nvSpPr>
         <p:spPr>
           <a:xfrm>
-            <a:off x="2962141" y="193184"/>
-            <a:ext cx="4172755" cy="369332"/>
+            <a:off x="3528811" y="193184"/>
+            <a:ext cx="3020988" cy="369332"/>
           </a:xfrm>
           <a:prstGeom prst="rect">
             <a:avLst/>
@@ -3004,7 +3004,7 @@
                   </a:schemeClr>
                 </a:solidFill>
               </a:rPr>
-              <a:t>UML DIAGRAM VERSION 2.0 [DRAFT 1]</a:t>
+              <a:t>UML DIAGRAM VERSION 2.0 </a:t>
             </a:r>
             <a:endParaRPr lang="en-US" dirty="0">
               <a:solidFill>
@@ -4522,17 +4522,7 @@
                   </a:schemeClr>
                 </a:solidFill>
               </a:rPr>
-              <a:t>[MODIFICATIONS OF LOCATIONS DIAGRAM</a:t>
-            </a:r>
-            <a:r>
-              <a:rPr lang="en-US" sz="1600" dirty="0" smtClean="0">
-                <a:solidFill>
-                  <a:schemeClr val="accent1">
-                    <a:lumMod val="50000"/>
-                  </a:schemeClr>
-                </a:solidFill>
-              </a:rPr>
-              <a:t>] </a:t>
+              <a:t>[MODIFICATIONS OF LOCATIONS DIAGRAM] </a:t>
             </a:r>
             <a:endParaRPr lang="en-US" sz="1600" dirty="0">
               <a:solidFill>
